--- a/image2/PLS/界面.pptx
+++ b/image2/PLS/界面.pptx
@@ -288,7 +288,7 @@
           <a:p>
             <a:fld id="{530820CF-B880-4189-942D-D702A7CBA730}" type="datetimeFigureOut">
               <a:rPr lang="zh-CN" altLang="en-US" smtClean="0"/>
-              <a:t>2021/12/27</a:t>
+              <a:t>2021/12/29</a:t>
             </a:fld>
             <a:endParaRPr lang="zh-CN" altLang="en-US"/>
           </a:p>
@@ -453,7 +453,7 @@
           <a:p>
             <a:fld id="{530820CF-B880-4189-942D-D702A7CBA730}" type="datetimeFigureOut">
               <a:rPr lang="zh-CN" altLang="en-US" smtClean="0"/>
-              <a:t>2021/12/27</a:t>
+              <a:t>2021/12/29</a:t>
             </a:fld>
             <a:endParaRPr lang="zh-CN" altLang="en-US"/>
           </a:p>
@@ -628,7 +628,7 @@
           <a:p>
             <a:fld id="{530820CF-B880-4189-942D-D702A7CBA730}" type="datetimeFigureOut">
               <a:rPr lang="zh-CN" altLang="en-US" smtClean="0"/>
-              <a:t>2021/12/27</a:t>
+              <a:t>2021/12/29</a:t>
             </a:fld>
             <a:endParaRPr lang="zh-CN" altLang="en-US"/>
           </a:p>
@@ -793,7 +793,7 @@
           <a:p>
             <a:fld id="{530820CF-B880-4189-942D-D702A7CBA730}" type="datetimeFigureOut">
               <a:rPr lang="zh-CN" altLang="en-US" smtClean="0"/>
-              <a:t>2021/12/27</a:t>
+              <a:t>2021/12/29</a:t>
             </a:fld>
             <a:endParaRPr lang="zh-CN" altLang="en-US"/>
           </a:p>
@@ -1034,7 +1034,7 @@
           <a:p>
             <a:fld id="{530820CF-B880-4189-942D-D702A7CBA730}" type="datetimeFigureOut">
               <a:rPr lang="zh-CN" altLang="en-US" smtClean="0"/>
-              <a:t>2021/12/27</a:t>
+              <a:t>2021/12/29</a:t>
             </a:fld>
             <a:endParaRPr lang="zh-CN" altLang="en-US"/>
           </a:p>
@@ -1317,7 +1317,7 @@
           <a:p>
             <a:fld id="{530820CF-B880-4189-942D-D702A7CBA730}" type="datetimeFigureOut">
               <a:rPr lang="zh-CN" altLang="en-US" smtClean="0"/>
-              <a:t>2021/12/27</a:t>
+              <a:t>2021/12/29</a:t>
             </a:fld>
             <a:endParaRPr lang="zh-CN" altLang="en-US"/>
           </a:p>
@@ -1734,7 +1734,7 @@
           <a:p>
             <a:fld id="{530820CF-B880-4189-942D-D702A7CBA730}" type="datetimeFigureOut">
               <a:rPr lang="zh-CN" altLang="en-US" smtClean="0"/>
-              <a:t>2021/12/27</a:t>
+              <a:t>2021/12/29</a:t>
             </a:fld>
             <a:endParaRPr lang="zh-CN" altLang="en-US"/>
           </a:p>
@@ -1847,7 +1847,7 @@
           <a:p>
             <a:fld id="{530820CF-B880-4189-942D-D702A7CBA730}" type="datetimeFigureOut">
               <a:rPr lang="zh-CN" altLang="en-US" smtClean="0"/>
-              <a:t>2021/12/27</a:t>
+              <a:t>2021/12/29</a:t>
             </a:fld>
             <a:endParaRPr lang="zh-CN" altLang="en-US"/>
           </a:p>
@@ -1937,7 +1937,7 @@
           <a:p>
             <a:fld id="{530820CF-B880-4189-942D-D702A7CBA730}" type="datetimeFigureOut">
               <a:rPr lang="zh-CN" altLang="en-US" smtClean="0"/>
-              <a:t>2021/12/27</a:t>
+              <a:t>2021/12/29</a:t>
             </a:fld>
             <a:endParaRPr lang="zh-CN" altLang="en-US"/>
           </a:p>
@@ -2209,7 +2209,7 @@
           <a:p>
             <a:fld id="{530820CF-B880-4189-942D-D702A7CBA730}" type="datetimeFigureOut">
               <a:rPr lang="zh-CN" altLang="en-US" smtClean="0"/>
-              <a:t>2021/12/27</a:t>
+              <a:t>2021/12/29</a:t>
             </a:fld>
             <a:endParaRPr lang="zh-CN" altLang="en-US"/>
           </a:p>
@@ -2457,7 +2457,7 @@
           <a:p>
             <a:fld id="{530820CF-B880-4189-942D-D702A7CBA730}" type="datetimeFigureOut">
               <a:rPr lang="zh-CN" altLang="en-US" smtClean="0"/>
-              <a:t>2021/12/27</a:t>
+              <a:t>2021/12/29</a:t>
             </a:fld>
             <a:endParaRPr lang="zh-CN" altLang="en-US"/>
           </a:p>
@@ -2665,7 +2665,7 @@
           <a:p>
             <a:fld id="{530820CF-B880-4189-942D-D702A7CBA730}" type="datetimeFigureOut">
               <a:rPr lang="zh-CN" altLang="en-US" smtClean="0"/>
-              <a:t>2021/12/27</a:t>
+              <a:t>2021/12/29</a:t>
             </a:fld>
             <a:endParaRPr lang="zh-CN" altLang="en-US"/>
           </a:p>
@@ -3037,7 +3037,7 @@
       </p:grpSpPr>
       <p:pic>
         <p:nvPicPr>
-          <p:cNvPr id="3" name="图片 2"/>
+          <p:cNvPr id="4" name="图片 3"/>
           <p:cNvPicPr>
             <a:picLocks noChangeAspect="1"/>
           </p:cNvPicPr>
@@ -3057,8 +3057,8 @@
         </p:blipFill>
         <p:spPr>
           <a:xfrm>
-            <a:off x="4644008" y="1670696"/>
-            <a:ext cx="2883048" cy="6667843"/>
+            <a:off x="4644008" y="1692250"/>
+            <a:ext cx="2863997" cy="4997707"/>
           </a:xfrm>
           <a:prstGeom prst="rect">
             <a:avLst/>
@@ -3073,7 +3073,7 @@
         </p:nvSpPr>
         <p:spPr>
           <a:xfrm>
-            <a:off x="3937522" y="604480"/>
+            <a:off x="3995936" y="664974"/>
             <a:ext cx="3672408" cy="523220"/>
           </a:xfrm>
           <a:prstGeom prst="rect">
@@ -3126,10 +3126,16 @@
           <a:lstStyle/>
           <a:p>
             <a:r>
-              <a:rPr lang="zh-CN" altLang="en-US" sz="1600" b="1" dirty="0" smtClean="0"/>
-              <a:t>偏最小二乘判别分析</a:t>
-            </a:r>
-            <a:endParaRPr lang="zh-CN" altLang="en-US" sz="1600" b="1" dirty="0"/>
+              <a:rPr lang="en-US" altLang="zh-CN" sz="1600" b="1" dirty="0" smtClean="0">
+                <a:latin typeface="+mj-ea"/>
+                <a:ea typeface="+mj-ea"/>
+              </a:rPr>
+              <a:t>PLS-DA</a:t>
+            </a:r>
+            <a:endParaRPr lang="zh-CN" altLang="en-US" sz="1600" b="1" dirty="0">
+              <a:latin typeface="+mj-ea"/>
+              <a:ea typeface="+mj-ea"/>
+            </a:endParaRPr>
           </a:p>
         </p:txBody>
       </p:sp>
@@ -3198,13 +3204,13 @@
       </p:sp>
       <p:sp>
         <p:nvSpPr>
-          <p:cNvPr id="23" name="线形标注 1 22"/>
+          <p:cNvPr id="25" name="线形标注 1 24"/>
           <p:cNvSpPr/>
           <p:nvPr/>
         </p:nvSpPr>
         <p:spPr>
           <a:xfrm>
-            <a:off x="3420453" y="2844378"/>
+            <a:off x="3425159" y="2844378"/>
             <a:ext cx="1141553" cy="288032"/>
           </a:xfrm>
           <a:prstGeom prst="borderCallout1">
@@ -3249,7 +3255,7 @@
                   <a:srgbClr val="FF0000"/>
                 </a:solidFill>
               </a:rPr>
-              <a:t>预测方法</a:t>
+              <a:t>因变量列数</a:t>
             </a:r>
             <a:endParaRPr lang="zh-CN" altLang="en-US" sz="1200" dirty="0">
               <a:solidFill>
@@ -3261,13 +3267,13 @@
       </p:sp>
       <p:sp>
         <p:nvSpPr>
-          <p:cNvPr id="25" name="线形标注 1 24"/>
+          <p:cNvPr id="28" name="线形标注 1 27"/>
           <p:cNvSpPr/>
           <p:nvPr/>
         </p:nvSpPr>
         <p:spPr>
           <a:xfrm>
-            <a:off x="3420453" y="4140522"/>
+            <a:off x="3422869" y="5220642"/>
             <a:ext cx="1141553" cy="288032"/>
           </a:xfrm>
           <a:prstGeom prst="borderCallout1">
@@ -3312,15 +3318,7 @@
                   <a:srgbClr val="FF0000"/>
                 </a:solidFill>
               </a:rPr>
-              <a:t>因变量</a:t>
-            </a:r>
-            <a:r>
-              <a:rPr lang="zh-CN" altLang="en-US" sz="1200" dirty="0" smtClean="0">
-                <a:solidFill>
-                  <a:srgbClr val="FF0000"/>
-                </a:solidFill>
-              </a:rPr>
-              <a:t>列数</a:t>
+              <a:t>点击查看结果</a:t>
             </a:r>
             <a:endParaRPr lang="zh-CN" altLang="en-US" sz="1200" dirty="0">
               <a:solidFill>
@@ -3332,13 +3330,13 @@
       </p:sp>
       <p:sp>
         <p:nvSpPr>
-          <p:cNvPr id="28" name="线形标注 1 27"/>
+          <p:cNvPr id="32" name="线形标注 1 31"/>
           <p:cNvSpPr/>
           <p:nvPr/>
         </p:nvSpPr>
         <p:spPr>
           <a:xfrm>
-            <a:off x="3422869" y="6804818"/>
+            <a:off x="3422869" y="5724698"/>
             <a:ext cx="1141553" cy="288032"/>
           </a:xfrm>
           <a:prstGeom prst="borderCallout1">
@@ -3383,7 +3381,7 @@
                   <a:srgbClr val="FF0000"/>
                 </a:solidFill>
               </a:rPr>
-              <a:t>点击查看结果</a:t>
+              <a:t>下载结果</a:t>
             </a:r>
             <a:endParaRPr lang="zh-CN" altLang="en-US" sz="1200" dirty="0">
               <a:solidFill>
@@ -3395,13 +3393,13 @@
       </p:sp>
       <p:sp>
         <p:nvSpPr>
-          <p:cNvPr id="32" name="线形标注 1 31"/>
+          <p:cNvPr id="33" name="线形标注 1 32"/>
           <p:cNvSpPr/>
           <p:nvPr/>
         </p:nvSpPr>
         <p:spPr>
           <a:xfrm>
-            <a:off x="3422869" y="7308874"/>
+            <a:off x="3422869" y="6228754"/>
             <a:ext cx="1141553" cy="288032"/>
           </a:xfrm>
           <a:prstGeom prst="borderCallout1">
@@ -3445,8 +3443,165 @@
                 <a:solidFill>
                   <a:srgbClr val="FF0000"/>
                 </a:solidFill>
+                <a:latin typeface="+mn-ea"/>
               </a:rPr>
-              <a:t>下载结果</a:t>
+              <a:t>下载得分图</a:t>
+            </a:r>
+            <a:endParaRPr lang="zh-CN" altLang="en-US" sz="1200" dirty="0">
+              <a:solidFill>
+                <a:srgbClr val="FF0000"/>
+              </a:solidFill>
+              <a:latin typeface="+mn-ea"/>
+            </a:endParaRPr>
+          </a:p>
+        </p:txBody>
+      </p:sp>
+      <p:sp>
+        <p:nvSpPr>
+          <p:cNvPr id="18" name="线形标注 1 17"/>
+          <p:cNvSpPr/>
+          <p:nvPr/>
+        </p:nvSpPr>
+        <p:spPr>
+          <a:xfrm>
+            <a:off x="3416901" y="4716586"/>
+            <a:ext cx="1141553" cy="288032"/>
+          </a:xfrm>
+          <a:prstGeom prst="borderCallout1">
+            <a:avLst>
+              <a:gd name="adj1" fmla="val 44544"/>
+              <a:gd name="adj2" fmla="val 98811"/>
+              <a:gd name="adj3" fmla="val 44378"/>
+              <a:gd name="adj4" fmla="val 120956"/>
+            </a:avLst>
+          </a:prstGeom>
+          <a:noFill/>
+          <a:ln>
+            <a:solidFill>
+              <a:srgbClr val="FF0000"/>
+            </a:solidFill>
+          </a:ln>
+        </p:spPr>
+        <p:style>
+          <a:lnRef idx="2">
+            <a:schemeClr val="accent1">
+              <a:shade val="50000"/>
+            </a:schemeClr>
+          </a:lnRef>
+          <a:fillRef idx="1">
+            <a:schemeClr val="accent1"/>
+          </a:fillRef>
+          <a:effectRef idx="0">
+            <a:schemeClr val="accent1"/>
+          </a:effectRef>
+          <a:fontRef idx="minor">
+            <a:schemeClr val="lt1"/>
+          </a:fontRef>
+        </p:style>
+        <p:txBody>
+          <a:bodyPr rtlCol="0" anchor="ctr"/>
+          <a:lstStyle/>
+          <a:p>
+            <a:pPr algn="ctr"/>
+            <a:r>
+              <a:rPr lang="en-US" altLang="zh-CN" sz="1200" dirty="0" smtClean="0">
+                <a:solidFill>
+                  <a:srgbClr val="FF0000"/>
+                </a:solidFill>
+                <a:latin typeface="+mn-ea"/>
+              </a:rPr>
+              <a:t>3</a:t>
+            </a:r>
+            <a:r>
+              <a:rPr lang="zh-CN" altLang="en-US" sz="1200" dirty="0" smtClean="0">
+                <a:solidFill>
+                  <a:srgbClr val="FF0000"/>
+                </a:solidFill>
+                <a:latin typeface="+mn-ea"/>
+              </a:rPr>
+              <a:t>维</a:t>
+            </a:r>
+            <a:r>
+              <a:rPr lang="en-US" altLang="zh-CN" sz="1200" dirty="0" smtClean="0">
+                <a:solidFill>
+                  <a:srgbClr val="FF0000"/>
+                </a:solidFill>
+                <a:latin typeface="+mn-ea"/>
+              </a:rPr>
+              <a:t>/2</a:t>
+            </a:r>
+            <a:r>
+              <a:rPr lang="zh-CN" altLang="en-US" sz="1200" dirty="0" smtClean="0">
+                <a:solidFill>
+                  <a:srgbClr val="FF0000"/>
+                </a:solidFill>
+                <a:latin typeface="+mn-ea"/>
+              </a:rPr>
+              <a:t>维</a:t>
+            </a:r>
+            <a:endParaRPr lang="zh-CN" altLang="en-US" sz="1200" dirty="0">
+              <a:solidFill>
+                <a:srgbClr val="FF0000"/>
+              </a:solidFill>
+              <a:latin typeface="+mn-ea"/>
+            </a:endParaRPr>
+          </a:p>
+        </p:txBody>
+      </p:sp>
+      <p:sp>
+        <p:nvSpPr>
+          <p:cNvPr id="16" name="线形标注 1 15"/>
+          <p:cNvSpPr/>
+          <p:nvPr/>
+        </p:nvSpPr>
+        <p:spPr>
+          <a:xfrm>
+            <a:off x="3571466" y="3348434"/>
+            <a:ext cx="928526" cy="432047"/>
+          </a:xfrm>
+          <a:prstGeom prst="borderCallout1">
+            <a:avLst>
+              <a:gd name="adj1" fmla="val 44544"/>
+              <a:gd name="adj2" fmla="val 98811"/>
+              <a:gd name="adj3" fmla="val 43790"/>
+              <a:gd name="adj4" fmla="val 133714"/>
+            </a:avLst>
+          </a:prstGeom>
+          <a:noFill/>
+          <a:ln>
+            <a:solidFill>
+              <a:srgbClr val="FF0000"/>
+            </a:solidFill>
+          </a:ln>
+        </p:spPr>
+        <p:style>
+          <a:lnRef idx="2">
+            <a:schemeClr val="accent1">
+              <a:shade val="50000"/>
+            </a:schemeClr>
+          </a:lnRef>
+          <a:fillRef idx="1">
+            <a:schemeClr val="accent1"/>
+          </a:fillRef>
+          <a:effectRef idx="0">
+            <a:schemeClr val="accent1"/>
+          </a:effectRef>
+          <a:fontRef idx="minor">
+            <a:schemeClr val="lt1"/>
+          </a:fontRef>
+        </p:style>
+        <p:txBody>
+          <a:bodyPr rtlCol="0" anchor="ctr"/>
+          <a:lstStyle/>
+          <a:p>
+            <a:pPr algn="ctr"/>
+            <a:r>
+              <a:rPr lang="zh-CN" altLang="en-US" sz="1200" dirty="0" smtClean="0">
+                <a:solidFill>
+                  <a:srgbClr val="FF0000"/>
+                </a:solidFill>
+              </a:rPr>
+              <a:t>数值型自变量列数</a:t>
             </a:r>
             <a:endParaRPr lang="zh-CN" altLang="en-US" sz="1200" dirty="0">
               <a:solidFill>
@@ -3458,13 +3613,13 @@
       </p:sp>
       <p:sp>
         <p:nvSpPr>
-          <p:cNvPr id="33" name="线形标注 1 32"/>
+          <p:cNvPr id="17" name="线形标注 1 16"/>
           <p:cNvSpPr/>
           <p:nvPr/>
         </p:nvSpPr>
         <p:spPr>
           <a:xfrm>
-            <a:off x="3422869" y="7812930"/>
+            <a:off x="3429502" y="4140522"/>
             <a:ext cx="1141553" cy="288032"/>
           </a:xfrm>
           <a:prstGeom prst="borderCallout1">
@@ -3508,354 +3663,8 @@
                 <a:solidFill>
                   <a:srgbClr val="FF0000"/>
                 </a:solidFill>
-                <a:latin typeface="+mn-ea"/>
-              </a:rPr>
-              <a:t>下载得分图</a:t>
-            </a:r>
-            <a:endParaRPr lang="zh-CN" altLang="en-US" sz="1200" dirty="0">
-              <a:solidFill>
-                <a:srgbClr val="FF0000"/>
-              </a:solidFill>
-              <a:latin typeface="+mn-ea"/>
-            </a:endParaRPr>
-          </a:p>
-        </p:txBody>
-      </p:sp>
-      <p:sp>
-        <p:nvSpPr>
-          <p:cNvPr id="18" name="线形标注 1 17"/>
-          <p:cNvSpPr/>
-          <p:nvPr/>
-        </p:nvSpPr>
-        <p:spPr>
-          <a:xfrm>
-            <a:off x="3416901" y="6444778"/>
-            <a:ext cx="1141553" cy="288032"/>
-          </a:xfrm>
-          <a:prstGeom prst="borderCallout1">
-            <a:avLst>
-              <a:gd name="adj1" fmla="val 44544"/>
-              <a:gd name="adj2" fmla="val 98811"/>
-              <a:gd name="adj3" fmla="val 46142"/>
-              <a:gd name="adj4" fmla="val 124961"/>
-            </a:avLst>
-          </a:prstGeom>
-          <a:noFill/>
-          <a:ln>
-            <a:solidFill>
-              <a:srgbClr val="FF0000"/>
-            </a:solidFill>
-          </a:ln>
-        </p:spPr>
-        <p:style>
-          <a:lnRef idx="2">
-            <a:schemeClr val="accent1">
-              <a:shade val="50000"/>
-            </a:schemeClr>
-          </a:lnRef>
-          <a:fillRef idx="1">
-            <a:schemeClr val="accent1"/>
-          </a:fillRef>
-          <a:effectRef idx="0">
-            <a:schemeClr val="accent1"/>
-          </a:effectRef>
-          <a:fontRef idx="minor">
-            <a:schemeClr val="lt1"/>
-          </a:fontRef>
-        </p:style>
-        <p:txBody>
-          <a:bodyPr rtlCol="0" anchor="ctr"/>
-          <a:lstStyle/>
-          <a:p>
-            <a:pPr algn="ctr"/>
-            <a:r>
-              <a:rPr lang="en-US" altLang="zh-CN" sz="1200" dirty="0" smtClean="0">
-                <a:solidFill>
-                  <a:srgbClr val="FF0000"/>
-                </a:solidFill>
-                <a:latin typeface="+mn-ea"/>
-              </a:rPr>
-              <a:t>3</a:t>
-            </a:r>
-            <a:r>
-              <a:rPr lang="zh-CN" altLang="en-US" sz="1200" dirty="0" smtClean="0">
-                <a:solidFill>
-                  <a:srgbClr val="FF0000"/>
-                </a:solidFill>
-                <a:latin typeface="+mn-ea"/>
-              </a:rPr>
-              <a:t>维</a:t>
-            </a:r>
-            <a:r>
-              <a:rPr lang="en-US" altLang="zh-CN" sz="1200" dirty="0" smtClean="0">
-                <a:solidFill>
-                  <a:srgbClr val="FF0000"/>
-                </a:solidFill>
-                <a:latin typeface="+mn-ea"/>
-              </a:rPr>
-              <a:t>/2</a:t>
-            </a:r>
-            <a:r>
-              <a:rPr lang="zh-CN" altLang="en-US" sz="1200" dirty="0" smtClean="0">
-                <a:solidFill>
-                  <a:srgbClr val="FF0000"/>
-                </a:solidFill>
-                <a:latin typeface="+mn-ea"/>
-              </a:rPr>
-              <a:t>维</a:t>
-            </a:r>
-            <a:endParaRPr lang="zh-CN" altLang="en-US" sz="1200" dirty="0">
-              <a:solidFill>
-                <a:srgbClr val="FF0000"/>
-              </a:solidFill>
-              <a:latin typeface="+mn-ea"/>
-            </a:endParaRPr>
-          </a:p>
-        </p:txBody>
-      </p:sp>
-      <p:sp>
-        <p:nvSpPr>
-          <p:cNvPr id="14" name="线形标注 1 13"/>
-          <p:cNvSpPr/>
-          <p:nvPr/>
-        </p:nvSpPr>
-        <p:spPr>
-          <a:xfrm>
-            <a:off x="3420452" y="3525990"/>
-            <a:ext cx="1141553" cy="288032"/>
-          </a:xfrm>
-          <a:prstGeom prst="borderCallout1">
-            <a:avLst>
-              <a:gd name="adj1" fmla="val 44544"/>
-              <a:gd name="adj2" fmla="val 98811"/>
-              <a:gd name="adj3" fmla="val 46142"/>
-              <a:gd name="adj4" fmla="val 124961"/>
-            </a:avLst>
-          </a:prstGeom>
-          <a:noFill/>
-          <a:ln>
-            <a:solidFill>
-              <a:srgbClr val="FF0000"/>
-            </a:solidFill>
-          </a:ln>
-        </p:spPr>
-        <p:style>
-          <a:lnRef idx="2">
-            <a:schemeClr val="accent1">
-              <a:shade val="50000"/>
-            </a:schemeClr>
-          </a:lnRef>
-          <a:fillRef idx="1">
-            <a:schemeClr val="accent1"/>
-          </a:fillRef>
-          <a:effectRef idx="0">
-            <a:schemeClr val="accent1"/>
-          </a:effectRef>
-          <a:fontRef idx="minor">
-            <a:schemeClr val="lt1"/>
-          </a:fontRef>
-        </p:style>
-        <p:txBody>
-          <a:bodyPr rtlCol="0" anchor="ctr"/>
-          <a:lstStyle/>
-          <a:p>
-            <a:pPr algn="ctr"/>
-            <a:r>
-              <a:rPr lang="zh-CN" altLang="en-US" sz="1200" dirty="0" smtClean="0">
-                <a:solidFill>
-                  <a:srgbClr val="FF0000"/>
-                </a:solidFill>
-              </a:rPr>
-              <a:t>交叉验证折数</a:t>
-            </a:r>
-            <a:endParaRPr lang="zh-CN" altLang="en-US" sz="1200" dirty="0">
-              <a:solidFill>
-                <a:srgbClr val="FF0000"/>
-              </a:solidFill>
-            </a:endParaRPr>
-          </a:p>
-        </p:txBody>
-      </p:sp>
-      <p:sp>
-        <p:nvSpPr>
-          <p:cNvPr id="16" name="线形标注 1 15"/>
-          <p:cNvSpPr/>
-          <p:nvPr/>
-        </p:nvSpPr>
-        <p:spPr>
-          <a:xfrm>
-            <a:off x="3536016" y="4718932"/>
-            <a:ext cx="928526" cy="432047"/>
-          </a:xfrm>
-          <a:prstGeom prst="borderCallout1">
-            <a:avLst>
-              <a:gd name="adj1" fmla="val 44544"/>
-              <a:gd name="adj2" fmla="val 98811"/>
-              <a:gd name="adj3" fmla="val 44966"/>
-              <a:gd name="adj4" fmla="val 148486"/>
-            </a:avLst>
-          </a:prstGeom>
-          <a:noFill/>
-          <a:ln>
-            <a:solidFill>
-              <a:srgbClr val="FF0000"/>
-            </a:solidFill>
-          </a:ln>
-        </p:spPr>
-        <p:style>
-          <a:lnRef idx="2">
-            <a:schemeClr val="accent1">
-              <a:shade val="50000"/>
-            </a:schemeClr>
-          </a:lnRef>
-          <a:fillRef idx="1">
-            <a:schemeClr val="accent1"/>
-          </a:fillRef>
-          <a:effectRef idx="0">
-            <a:schemeClr val="accent1"/>
-          </a:effectRef>
-          <a:fontRef idx="minor">
-            <a:schemeClr val="lt1"/>
-          </a:fontRef>
-        </p:style>
-        <p:txBody>
-          <a:bodyPr rtlCol="0" anchor="ctr"/>
-          <a:lstStyle/>
-          <a:p>
-            <a:pPr algn="ctr"/>
-            <a:r>
-              <a:rPr lang="zh-CN" altLang="en-US" sz="1200" dirty="0" smtClean="0">
-                <a:solidFill>
-                  <a:srgbClr val="FF0000"/>
-                </a:solidFill>
-              </a:rPr>
-              <a:t>数值型自变量列数</a:t>
-            </a:r>
-            <a:endParaRPr lang="zh-CN" altLang="en-US" sz="1200" dirty="0">
-              <a:solidFill>
-                <a:srgbClr val="FF0000"/>
-              </a:solidFill>
-            </a:endParaRPr>
-          </a:p>
-        </p:txBody>
-      </p:sp>
-      <p:sp>
-        <p:nvSpPr>
-          <p:cNvPr id="17" name="线形标注 1 16"/>
-          <p:cNvSpPr/>
-          <p:nvPr/>
-        </p:nvSpPr>
-        <p:spPr>
-          <a:xfrm>
-            <a:off x="3429502" y="5364658"/>
-            <a:ext cx="1141553" cy="288032"/>
-          </a:xfrm>
-          <a:prstGeom prst="borderCallout1">
-            <a:avLst>
-              <a:gd name="adj1" fmla="val 44544"/>
-              <a:gd name="adj2" fmla="val 98811"/>
-              <a:gd name="adj3" fmla="val 46142"/>
-              <a:gd name="adj4" fmla="val 124961"/>
-            </a:avLst>
-          </a:prstGeom>
-          <a:noFill/>
-          <a:ln>
-            <a:solidFill>
-              <a:srgbClr val="FF0000"/>
-            </a:solidFill>
-          </a:ln>
-        </p:spPr>
-        <p:style>
-          <a:lnRef idx="2">
-            <a:schemeClr val="accent1">
-              <a:shade val="50000"/>
-            </a:schemeClr>
-          </a:lnRef>
-          <a:fillRef idx="1">
-            <a:schemeClr val="accent1"/>
-          </a:fillRef>
-          <a:effectRef idx="0">
-            <a:schemeClr val="accent1"/>
-          </a:effectRef>
-          <a:fontRef idx="minor">
-            <a:schemeClr val="lt1"/>
-          </a:fontRef>
-        </p:style>
-        <p:txBody>
-          <a:bodyPr rtlCol="0" anchor="ctr"/>
-          <a:lstStyle/>
-          <a:p>
-            <a:pPr algn="ctr"/>
-            <a:r>
-              <a:rPr lang="zh-CN" altLang="en-US" sz="1200" dirty="0" smtClean="0">
-                <a:solidFill>
-                  <a:srgbClr val="FF0000"/>
-                </a:solidFill>
               </a:rPr>
               <a:t>主成分数</a:t>
-            </a:r>
-            <a:endParaRPr lang="zh-CN" altLang="en-US" sz="1200" dirty="0">
-              <a:solidFill>
-                <a:srgbClr val="FF0000"/>
-              </a:solidFill>
-            </a:endParaRPr>
-          </a:p>
-        </p:txBody>
-      </p:sp>
-      <p:sp>
-        <p:nvSpPr>
-          <p:cNvPr id="19" name="线形标注 1 18"/>
-          <p:cNvSpPr/>
-          <p:nvPr/>
-        </p:nvSpPr>
-        <p:spPr>
-          <a:xfrm>
-            <a:off x="3441523" y="5940722"/>
-            <a:ext cx="1141553" cy="288032"/>
-          </a:xfrm>
-          <a:prstGeom prst="borderCallout1">
-            <a:avLst>
-              <a:gd name="adj1" fmla="val 44544"/>
-              <a:gd name="adj2" fmla="val 98811"/>
-              <a:gd name="adj3" fmla="val 46142"/>
-              <a:gd name="adj4" fmla="val 124961"/>
-            </a:avLst>
-          </a:prstGeom>
-          <a:noFill/>
-          <a:ln>
-            <a:solidFill>
-              <a:srgbClr val="FF0000"/>
-            </a:solidFill>
-          </a:ln>
-        </p:spPr>
-        <p:style>
-          <a:lnRef idx="2">
-            <a:schemeClr val="accent1">
-              <a:shade val="50000"/>
-            </a:schemeClr>
-          </a:lnRef>
-          <a:fillRef idx="1">
-            <a:schemeClr val="accent1"/>
-          </a:fillRef>
-          <a:effectRef idx="0">
-            <a:schemeClr val="accent1"/>
-          </a:effectRef>
-          <a:fontRef idx="minor">
-            <a:schemeClr val="lt1"/>
-          </a:fontRef>
-        </p:style>
-        <p:txBody>
-          <a:bodyPr rtlCol="0" anchor="ctr"/>
-          <a:lstStyle/>
-          <a:p>
-            <a:pPr algn="ctr"/>
-            <a:r>
-              <a:rPr lang="zh-CN" altLang="en-US" sz="1200" dirty="0" smtClean="0">
-                <a:solidFill>
-                  <a:srgbClr val="FF0000"/>
-                </a:solidFill>
-              </a:rPr>
-              <a:t>随机种子数</a:t>
             </a:r>
             <a:endParaRPr lang="zh-CN" altLang="en-US" sz="1200" dirty="0">
               <a:solidFill>
